--- a/lesson2-animasyonsuz.pptx
+++ b/lesson2-animasyonsuz.pptx
@@ -4708,7 +4708,7 @@
           <a:blip r:embed="rId2">
             <a:extLst>
               <a:ext uri="{28A0092B-C50C-407E-A947-70E740481C1C}">
-                <a14:useLocalDpi xmlns:a14="http://schemas.microsoft.com/office/drawing/2010/main" val="0"/>
+                <a14:useLocalDpi xmlns:a14="http://schemas.microsoft.com/office/drawing/2010/main"/>
               </a:ext>
               <a:ext uri="{96DAC541-7B7A-43D3-8B79-37D633B846F1}">
                 <asvg:svgBlip xmlns:asvg="http://schemas.microsoft.com/office/drawing/2016/SVG/main" r:embed="rId3"/>
@@ -4859,7 +4859,7 @@
             <a:blip r:embed="rId2">
               <a:extLst>
                 <a:ext uri="{28A0092B-C50C-407E-A947-70E740481C1C}">
-                  <a14:useLocalDpi xmlns:a14="http://schemas.microsoft.com/office/drawing/2010/main" val="0"/>
+                  <a14:useLocalDpi xmlns:a14="http://schemas.microsoft.com/office/drawing/2010/main"/>
                 </a:ext>
                 <a:ext uri="{96DAC541-7B7A-43D3-8B79-37D633B846F1}">
                   <asvg:svgBlip xmlns:asvg="http://schemas.microsoft.com/office/drawing/2016/SVG/main" r:embed="rId3"/>
@@ -6767,7 +6767,7 @@
           <p:nvPr/>
         </p:nvPicPr>
         <p:blipFill rotWithShape="1">
-          <a:blip r:embed="rId2">
+          <a:blip r:embed="rId2" cstate="email">
             <a:duotone>
               <a:schemeClr val="accent6">
                 <a:shade val="45000"/>
@@ -6791,9 +6791,12 @@
                   </a14:imgLayer>
                 </a14:imgProps>
               </a:ext>
+              <a:ext uri="{28A0092B-C50C-407E-A947-70E740481C1C}">
+                <a14:useLocalDpi xmlns:a14="http://schemas.microsoft.com/office/drawing/2010/main"/>
+              </a:ext>
             </a:extLst>
           </a:blip>
-          <a:srcRect l="6407" r="45547"/>
+          <a:srcRect/>
           <a:stretch/>
         </p:blipFill>
         <p:spPr>
@@ -6965,7 +6968,7 @@
             <a:blip r:embed="rId4">
               <a:extLst>
                 <a:ext uri="{28A0092B-C50C-407E-A947-70E740481C1C}">
-                  <a14:useLocalDpi xmlns:a14="http://schemas.microsoft.com/office/drawing/2010/main" val="0"/>
+                  <a14:useLocalDpi xmlns:a14="http://schemas.microsoft.com/office/drawing/2010/main"/>
                 </a:ext>
                 <a:ext uri="{96DAC541-7B7A-43D3-8B79-37D633B846F1}">
                   <asvg:svgBlip xmlns:asvg="http://schemas.microsoft.com/office/drawing/2016/SVG/main" r:embed="rId5"/>
@@ -8619,7 +8622,13 @@
             <a:chExt cx="6414976" cy="6666615"/>
           </a:xfrm>
           <a:blipFill dpi="0" rotWithShape="1">
-            <a:blip r:embed="rId2"/>
+            <a:blip r:embed="rId2" cstate="email">
+              <a:extLst>
+                <a:ext uri="{28A0092B-C50C-407E-A947-70E740481C1C}">
+                  <a14:useLocalDpi xmlns:a14="http://schemas.microsoft.com/office/drawing/2010/main"/>
+                </a:ext>
+              </a:extLst>
+            </a:blip>
             <a:srcRect/>
             <a:tile tx="-895350" ty="0" sx="100000" sy="100000" flip="y" algn="tl"/>
           </a:blipFill>
@@ -8903,7 +8912,7 @@
           <a:blip r:embed="rId3">
             <a:extLst>
               <a:ext uri="{28A0092B-C50C-407E-A947-70E740481C1C}">
-                <a14:useLocalDpi xmlns:a14="http://schemas.microsoft.com/office/drawing/2010/main" val="0"/>
+                <a14:useLocalDpi xmlns:a14="http://schemas.microsoft.com/office/drawing/2010/main"/>
               </a:ext>
               <a:ext uri="{96DAC541-7B7A-43D3-8B79-37D633B846F1}">
                 <asvg:svgBlip xmlns:asvg="http://schemas.microsoft.com/office/drawing/2016/SVG/main" r:embed="rId4"/>
@@ -9084,7 +9093,7 @@
           <p:nvPr/>
         </p:nvPicPr>
         <p:blipFill rotWithShape="1">
-          <a:blip r:embed="rId2">
+          <a:blip r:embed="rId2" cstate="email">
             <a:duotone>
               <a:prstClr val="black"/>
               <a:schemeClr val="accent6">
@@ -9092,8 +9101,13 @@
                 <a:satMod val="400000"/>
               </a:schemeClr>
             </a:duotone>
+            <a:extLst>
+              <a:ext uri="{28A0092B-C50C-407E-A947-70E740481C1C}">
+                <a14:useLocalDpi xmlns:a14="http://schemas.microsoft.com/office/drawing/2010/main"/>
+              </a:ext>
+            </a:extLst>
           </a:blip>
-          <a:srcRect b="36400"/>
+          <a:srcRect/>
           <a:stretch/>
         </p:blipFill>
         <p:spPr>
@@ -9213,10 +9227,10 @@
             <p:nvPr/>
           </p:nvPicPr>
           <p:blipFill>
-            <a:blip r:embed="rId3">
+            <a:blip r:embed="rId3" cstate="email">
               <a:extLst>
                 <a:ext uri="{28A0092B-C50C-407E-A947-70E740481C1C}">
-                  <a14:useLocalDpi xmlns:a14="http://schemas.microsoft.com/office/drawing/2010/main" val="0"/>
+                  <a14:useLocalDpi xmlns:a14="http://schemas.microsoft.com/office/drawing/2010/main"/>
                 </a:ext>
                 <a:ext uri="{96DAC541-7B7A-43D3-8B79-37D633B846F1}">
                   <asvg:svgBlip xmlns:asvg="http://schemas.microsoft.com/office/drawing/2016/SVG/main" r:embed="rId4"/>
@@ -9607,7 +9621,7 @@
           <a:blip r:embed="rId2">
             <a:extLst>
               <a:ext uri="{28A0092B-C50C-407E-A947-70E740481C1C}">
-                <a14:useLocalDpi xmlns:a14="http://schemas.microsoft.com/office/drawing/2010/main" val="0"/>
+                <a14:useLocalDpi xmlns:a14="http://schemas.microsoft.com/office/drawing/2010/main"/>
               </a:ext>
               <a:ext uri="{96DAC541-7B7A-43D3-8B79-37D633B846F1}">
                 <asvg:svgBlip xmlns:asvg="http://schemas.microsoft.com/office/drawing/2016/SVG/main" r:embed="rId3"/>
@@ -9841,7 +9855,7 @@
             <a:blip r:embed="rId2">
               <a:extLst>
                 <a:ext uri="{28A0092B-C50C-407E-A947-70E740481C1C}">
-                  <a14:useLocalDpi xmlns:a14="http://schemas.microsoft.com/office/drawing/2010/main" val="0"/>
+                  <a14:useLocalDpi xmlns:a14="http://schemas.microsoft.com/office/drawing/2010/main"/>
                 </a:ext>
                 <a:ext uri="{96DAC541-7B7A-43D3-8B79-37D633B846F1}">
                   <asvg:svgBlip xmlns:asvg="http://schemas.microsoft.com/office/drawing/2016/SVG/main" r:embed="rId3"/>
@@ -10064,10 +10078,10 @@
             <p:nvPr/>
           </p:nvPicPr>
           <p:blipFill>
-            <a:blip r:embed="rId4">
+            <a:blip r:embed="rId4" cstate="email">
               <a:extLst>
                 <a:ext uri="{28A0092B-C50C-407E-A947-70E740481C1C}">
-                  <a14:useLocalDpi xmlns:a14="http://schemas.microsoft.com/office/drawing/2010/main" val="0"/>
+                  <a14:useLocalDpi xmlns:a14="http://schemas.microsoft.com/office/drawing/2010/main"/>
                 </a:ext>
                 <a:ext uri="{96DAC541-7B7A-43D3-8B79-37D633B846F1}">
                   <asvg:svgBlip xmlns:asvg="http://schemas.microsoft.com/office/drawing/2016/SVG/main" r:embed="rId5"/>
@@ -10185,10 +10199,10 @@
             <p:nvPr/>
           </p:nvPicPr>
           <p:blipFill>
-            <a:blip r:embed="rId6">
+            <a:blip r:embed="rId6" cstate="email">
               <a:extLst>
                 <a:ext uri="{28A0092B-C50C-407E-A947-70E740481C1C}">
-                  <a14:useLocalDpi xmlns:a14="http://schemas.microsoft.com/office/drawing/2010/main" val="0"/>
+                  <a14:useLocalDpi xmlns:a14="http://schemas.microsoft.com/office/drawing/2010/main"/>
                 </a:ext>
                 <a:ext uri="{96DAC541-7B7A-43D3-8B79-37D633B846F1}">
                   <asvg:svgBlip xmlns:asvg="http://schemas.microsoft.com/office/drawing/2016/SVG/main" r:embed="rId7"/>
@@ -10306,10 +10320,10 @@
             <p:nvPr/>
           </p:nvPicPr>
           <p:blipFill>
-            <a:blip r:embed="rId8">
+            <a:blip r:embed="rId8" cstate="email">
               <a:extLst>
                 <a:ext uri="{28A0092B-C50C-407E-A947-70E740481C1C}">
-                  <a14:useLocalDpi xmlns:a14="http://schemas.microsoft.com/office/drawing/2010/main" val="0"/>
+                  <a14:useLocalDpi xmlns:a14="http://schemas.microsoft.com/office/drawing/2010/main"/>
                 </a:ext>
                 <a:ext uri="{96DAC541-7B7A-43D3-8B79-37D633B846F1}">
                   <asvg:svgBlip xmlns:asvg="http://schemas.microsoft.com/office/drawing/2016/SVG/main" r:embed="rId9"/>
@@ -10427,10 +10441,10 @@
             <p:nvPr/>
           </p:nvPicPr>
           <p:blipFill>
-            <a:blip r:embed="rId10">
+            <a:blip r:embed="rId10" cstate="email">
               <a:extLst>
                 <a:ext uri="{28A0092B-C50C-407E-A947-70E740481C1C}">
-                  <a14:useLocalDpi xmlns:a14="http://schemas.microsoft.com/office/drawing/2010/main" val="0"/>
+                  <a14:useLocalDpi xmlns:a14="http://schemas.microsoft.com/office/drawing/2010/main"/>
                 </a:ext>
                 <a:ext uri="{96DAC541-7B7A-43D3-8B79-37D633B846F1}">
                   <asvg:svgBlip xmlns:asvg="http://schemas.microsoft.com/office/drawing/2016/SVG/main" r:embed="rId11"/>
@@ -10548,10 +10562,10 @@
             <p:nvPr/>
           </p:nvPicPr>
           <p:blipFill>
-            <a:blip r:embed="rId12">
+            <a:blip r:embed="rId12" cstate="email">
               <a:extLst>
                 <a:ext uri="{28A0092B-C50C-407E-A947-70E740481C1C}">
-                  <a14:useLocalDpi xmlns:a14="http://schemas.microsoft.com/office/drawing/2010/main" val="0"/>
+                  <a14:useLocalDpi xmlns:a14="http://schemas.microsoft.com/office/drawing/2010/main"/>
                 </a:ext>
                 <a:ext uri="{96DAC541-7B7A-43D3-8B79-37D633B846F1}">
                   <asvg:svgBlip xmlns:asvg="http://schemas.microsoft.com/office/drawing/2016/SVG/main" r:embed="rId13"/>
@@ -10669,10 +10683,10 @@
             <p:nvPr/>
           </p:nvPicPr>
           <p:blipFill>
-            <a:blip r:embed="rId14">
+            <a:blip r:embed="rId14" cstate="email">
               <a:extLst>
                 <a:ext uri="{28A0092B-C50C-407E-A947-70E740481C1C}">
-                  <a14:useLocalDpi xmlns:a14="http://schemas.microsoft.com/office/drawing/2010/main" val="0"/>
+                  <a14:useLocalDpi xmlns:a14="http://schemas.microsoft.com/office/drawing/2010/main"/>
                 </a:ext>
                 <a:ext uri="{96DAC541-7B7A-43D3-8B79-37D633B846F1}">
                   <asvg:svgBlip xmlns:asvg="http://schemas.microsoft.com/office/drawing/2016/SVG/main" r:embed="rId15"/>
@@ -10817,7 +10831,7 @@
             <a:blip r:embed="rId2">
               <a:extLst>
                 <a:ext uri="{28A0092B-C50C-407E-A947-70E740481C1C}">
-                  <a14:useLocalDpi xmlns:a14="http://schemas.microsoft.com/office/drawing/2010/main" val="0"/>
+                  <a14:useLocalDpi xmlns:a14="http://schemas.microsoft.com/office/drawing/2010/main"/>
                 </a:ext>
                 <a:ext uri="{96DAC541-7B7A-43D3-8B79-37D633B846F1}">
                   <asvg:svgBlip xmlns:asvg="http://schemas.microsoft.com/office/drawing/2016/SVG/main" r:embed="rId3"/>
@@ -11084,10 +11098,10 @@
             <p:nvPr/>
           </p:nvPicPr>
           <p:blipFill>
-            <a:blip r:embed="rId4">
+            <a:blip r:embed="rId4" cstate="email">
               <a:extLst>
                 <a:ext uri="{28A0092B-C50C-407E-A947-70E740481C1C}">
-                  <a14:useLocalDpi xmlns:a14="http://schemas.microsoft.com/office/drawing/2010/main" val="0"/>
+                  <a14:useLocalDpi xmlns:a14="http://schemas.microsoft.com/office/drawing/2010/main"/>
                 </a:ext>
                 <a:ext uri="{96DAC541-7B7A-43D3-8B79-37D633B846F1}">
                   <asvg:svgBlip xmlns:asvg="http://schemas.microsoft.com/office/drawing/2016/SVG/main" r:embed="rId5"/>
@@ -11413,7 +11427,7 @@
             <a:blip r:embed="rId6">
               <a:extLst>
                 <a:ext uri="{28A0092B-C50C-407E-A947-70E740481C1C}">
-                  <a14:useLocalDpi xmlns:a14="http://schemas.microsoft.com/office/drawing/2010/main" val="0"/>
+                  <a14:useLocalDpi xmlns:a14="http://schemas.microsoft.com/office/drawing/2010/main"/>
                 </a:ext>
                 <a:ext uri="{96DAC541-7B7A-43D3-8B79-37D633B846F1}">
                   <asvg:svgBlip xmlns:asvg="http://schemas.microsoft.com/office/drawing/2016/SVG/main" r:embed="rId7"/>
@@ -11522,10 +11536,10 @@
             <p:nvPr/>
           </p:nvPicPr>
           <p:blipFill>
-            <a:blip r:embed="rId8">
+            <a:blip r:embed="rId8" cstate="email">
               <a:extLst>
                 <a:ext uri="{28A0092B-C50C-407E-A947-70E740481C1C}">
-                  <a14:useLocalDpi xmlns:a14="http://schemas.microsoft.com/office/drawing/2010/main" val="0"/>
+                  <a14:useLocalDpi xmlns:a14="http://schemas.microsoft.com/office/drawing/2010/main"/>
                 </a:ext>
                 <a:ext uri="{96DAC541-7B7A-43D3-8B79-37D633B846F1}">
                   <asvg:svgBlip xmlns:asvg="http://schemas.microsoft.com/office/drawing/2016/SVG/main" r:embed="rId9"/>
@@ -11790,7 +11804,7 @@
           <a:blip r:embed="rId2">
             <a:extLst>
               <a:ext uri="{28A0092B-C50C-407E-A947-70E740481C1C}">
-                <a14:useLocalDpi xmlns:a14="http://schemas.microsoft.com/office/drawing/2010/main" val="0"/>
+                <a14:useLocalDpi xmlns:a14="http://schemas.microsoft.com/office/drawing/2010/main"/>
               </a:ext>
               <a:ext uri="{96DAC541-7B7A-43D3-8B79-37D633B846F1}">
                 <asvg:svgBlip xmlns:asvg="http://schemas.microsoft.com/office/drawing/2016/SVG/main" r:embed="rId3"/>
@@ -12268,7 +12282,7 @@
             <a:blip r:embed="rId4">
               <a:extLst>
                 <a:ext uri="{28A0092B-C50C-407E-A947-70E740481C1C}">
-                  <a14:useLocalDpi xmlns:a14="http://schemas.microsoft.com/office/drawing/2010/main" val="0"/>
+                  <a14:useLocalDpi xmlns:a14="http://schemas.microsoft.com/office/drawing/2010/main"/>
                 </a:ext>
                 <a:ext uri="{96DAC541-7B7A-43D3-8B79-37D633B846F1}">
                   <asvg:svgBlip xmlns:asvg="http://schemas.microsoft.com/office/drawing/2016/SVG/main" r:embed="rId5"/>
@@ -12377,10 +12391,10 @@
             <p:nvPr/>
           </p:nvPicPr>
           <p:blipFill>
-            <a:blip r:embed="rId6">
+            <a:blip r:embed="rId6" cstate="email">
               <a:extLst>
                 <a:ext uri="{28A0092B-C50C-407E-A947-70E740481C1C}">
-                  <a14:useLocalDpi xmlns:a14="http://schemas.microsoft.com/office/drawing/2010/main" val="0"/>
+                  <a14:useLocalDpi xmlns:a14="http://schemas.microsoft.com/office/drawing/2010/main"/>
                 </a:ext>
                 <a:ext uri="{96DAC541-7B7A-43D3-8B79-37D633B846F1}">
                   <asvg:svgBlip xmlns:asvg="http://schemas.microsoft.com/office/drawing/2016/SVG/main" r:embed="rId7"/>
@@ -12627,7 +12641,7 @@
             <a:blip r:embed="rId3">
               <a:extLst>
                 <a:ext uri="{28A0092B-C50C-407E-A947-70E740481C1C}">
-                  <a14:useLocalDpi xmlns:a14="http://schemas.microsoft.com/office/drawing/2010/main" val="0"/>
+                  <a14:useLocalDpi xmlns:a14="http://schemas.microsoft.com/office/drawing/2010/main"/>
                 </a:ext>
                 <a:ext uri="{96DAC541-7B7A-43D3-8B79-37D633B846F1}">
                   <asvg:svgBlip xmlns:asvg="http://schemas.microsoft.com/office/drawing/2016/SVG/main" r:embed="rId4"/>
@@ -13248,10 +13262,10 @@
             <p:nvPr/>
           </p:nvPicPr>
           <p:blipFill>
-            <a:blip r:embed="rId5">
+            <a:blip r:embed="rId5" cstate="email">
               <a:extLst>
                 <a:ext uri="{28A0092B-C50C-407E-A947-70E740481C1C}">
-                  <a14:useLocalDpi xmlns:a14="http://schemas.microsoft.com/office/drawing/2010/main" val="0"/>
+                  <a14:useLocalDpi xmlns:a14="http://schemas.microsoft.com/office/drawing/2010/main"/>
                 </a:ext>
                 <a:ext uri="{96DAC541-7B7A-43D3-8B79-37D633B846F1}">
                   <asvg:svgBlip xmlns:asvg="http://schemas.microsoft.com/office/drawing/2016/SVG/main" r:embed="rId6"/>
@@ -13725,10 +13739,10 @@
             <p:nvPr/>
           </p:nvPicPr>
           <p:blipFill>
-            <a:blip r:embed="rId7">
+            <a:blip r:embed="rId7" cstate="email">
               <a:extLst>
                 <a:ext uri="{28A0092B-C50C-407E-A947-70E740481C1C}">
-                  <a14:useLocalDpi xmlns:a14="http://schemas.microsoft.com/office/drawing/2010/main" val="0"/>
+                  <a14:useLocalDpi xmlns:a14="http://schemas.microsoft.com/office/drawing/2010/main"/>
                 </a:ext>
                 <a:ext uri="{96DAC541-7B7A-43D3-8B79-37D633B846F1}">
                   <asvg:svgBlip xmlns:asvg="http://schemas.microsoft.com/office/drawing/2016/SVG/main" r:embed="rId8"/>
@@ -13840,7 +13854,7 @@
             <a:blip r:embed="rId9">
               <a:extLst>
                 <a:ext uri="{28A0092B-C50C-407E-A947-70E740481C1C}">
-                  <a14:useLocalDpi xmlns:a14="http://schemas.microsoft.com/office/drawing/2010/main" val="0"/>
+                  <a14:useLocalDpi xmlns:a14="http://schemas.microsoft.com/office/drawing/2010/main"/>
                 </a:ext>
                 <a:ext uri="{96DAC541-7B7A-43D3-8B79-37D633B846F1}">
                   <asvg:svgBlip xmlns:asvg="http://schemas.microsoft.com/office/drawing/2016/SVG/main" r:embed="rId10"/>
@@ -14224,7 +14238,7 @@
           <a:blip r:embed="rId2">
             <a:extLst>
               <a:ext uri="{28A0092B-C50C-407E-A947-70E740481C1C}">
-                <a14:useLocalDpi xmlns:a14="http://schemas.microsoft.com/office/drawing/2010/main" val="0"/>
+                <a14:useLocalDpi xmlns:a14="http://schemas.microsoft.com/office/drawing/2010/main"/>
               </a:ext>
               <a:ext uri="{96DAC541-7B7A-43D3-8B79-37D633B846F1}">
                 <asvg:svgBlip xmlns:asvg="http://schemas.microsoft.com/office/drawing/2016/SVG/main" r:embed="rId3"/>
